--- a/Report___Presentation/Presentation.pptx
+++ b/Report___Presentation/Presentation.pptx
@@ -7,6 +7,20 @@
   <p:sldIdLst>
     <p:sldId id="256" r:id="rId2"/>
     <p:sldId id="257" r:id="rId3"/>
+    <p:sldId id="259" r:id="rId4"/>
+    <p:sldId id="260" r:id="rId5"/>
+    <p:sldId id="261" r:id="rId6"/>
+    <p:sldId id="262" r:id="rId7"/>
+    <p:sldId id="263" r:id="rId8"/>
+    <p:sldId id="266" r:id="rId9"/>
+    <p:sldId id="264" r:id="rId10"/>
+    <p:sldId id="271" r:id="rId11"/>
+    <p:sldId id="265" r:id="rId12"/>
+    <p:sldId id="270" r:id="rId13"/>
+    <p:sldId id="267" r:id="rId14"/>
+    <p:sldId id="268" r:id="rId15"/>
+    <p:sldId id="269" r:id="rId16"/>
+    <p:sldId id="272" r:id="rId17"/>
   </p:sldIdLst>
   <p:sldSz cx="12192000" cy="6858000"/>
   <p:notesSz cx="6858000" cy="9144000"/>
@@ -105,6 +119,11 @@
       </a:defRPr>
     </a:lvl9pPr>
   </p:defaultTextStyle>
+  <p:extLst>
+    <p:ext uri="{EFAFB233-063F-42B5-8137-9DF3F51BA10A}">
+      <p15:sldGuideLst xmlns:p15="http://schemas.microsoft.com/office/powerpoint/2012/main"/>
+    </p:ext>
+  </p:extLst>
 </p:presentation>
 </file>
 
@@ -259,7 +278,7 @@
           <a:p>
             <a:fld id="{1623C145-EF94-482A-B86D-72F0D2EBF2FE}" type="datetimeFigureOut">
               <a:rPr lang="en-US" smtClean="0"/>
-              <a:t>11/20/2017</a:t>
+              <a:t>12/3/2017</a:t>
             </a:fld>
             <a:endParaRPr lang="en-US"/>
           </a:p>
@@ -457,7 +476,7 @@
           <a:p>
             <a:fld id="{1623C145-EF94-482A-B86D-72F0D2EBF2FE}" type="datetimeFigureOut">
               <a:rPr lang="en-US" smtClean="0"/>
-              <a:t>11/20/2017</a:t>
+              <a:t>12/3/2017</a:t>
             </a:fld>
             <a:endParaRPr lang="en-US"/>
           </a:p>
@@ -665,7 +684,7 @@
           <a:p>
             <a:fld id="{1623C145-EF94-482A-B86D-72F0D2EBF2FE}" type="datetimeFigureOut">
               <a:rPr lang="en-US" smtClean="0"/>
-              <a:t>11/20/2017</a:t>
+              <a:t>12/3/2017</a:t>
             </a:fld>
             <a:endParaRPr lang="en-US"/>
           </a:p>
@@ -863,7 +882,7 @@
           <a:p>
             <a:fld id="{1623C145-EF94-482A-B86D-72F0D2EBF2FE}" type="datetimeFigureOut">
               <a:rPr lang="en-US" smtClean="0"/>
-              <a:t>11/20/2017</a:t>
+              <a:t>12/3/2017</a:t>
             </a:fld>
             <a:endParaRPr lang="en-US"/>
           </a:p>
@@ -1138,7 +1157,7 @@
           <a:p>
             <a:fld id="{1623C145-EF94-482A-B86D-72F0D2EBF2FE}" type="datetimeFigureOut">
               <a:rPr lang="en-US" smtClean="0"/>
-              <a:t>11/20/2017</a:t>
+              <a:t>12/3/2017</a:t>
             </a:fld>
             <a:endParaRPr lang="en-US"/>
           </a:p>
@@ -1403,7 +1422,7 @@
           <a:p>
             <a:fld id="{1623C145-EF94-482A-B86D-72F0D2EBF2FE}" type="datetimeFigureOut">
               <a:rPr lang="en-US" smtClean="0"/>
-              <a:t>11/20/2017</a:t>
+              <a:t>12/3/2017</a:t>
             </a:fld>
             <a:endParaRPr lang="en-US"/>
           </a:p>
@@ -1815,7 +1834,7 @@
           <a:p>
             <a:fld id="{1623C145-EF94-482A-B86D-72F0D2EBF2FE}" type="datetimeFigureOut">
               <a:rPr lang="en-US" smtClean="0"/>
-              <a:t>11/20/2017</a:t>
+              <a:t>12/3/2017</a:t>
             </a:fld>
             <a:endParaRPr lang="en-US"/>
           </a:p>
@@ -1956,7 +1975,7 @@
           <a:p>
             <a:fld id="{1623C145-EF94-482A-B86D-72F0D2EBF2FE}" type="datetimeFigureOut">
               <a:rPr lang="en-US" smtClean="0"/>
-              <a:t>11/20/2017</a:t>
+              <a:t>12/3/2017</a:t>
             </a:fld>
             <a:endParaRPr lang="en-US"/>
           </a:p>
@@ -2069,7 +2088,7 @@
           <a:p>
             <a:fld id="{1623C145-EF94-482A-B86D-72F0D2EBF2FE}" type="datetimeFigureOut">
               <a:rPr lang="en-US" smtClean="0"/>
-              <a:t>11/20/2017</a:t>
+              <a:t>12/3/2017</a:t>
             </a:fld>
             <a:endParaRPr lang="en-US"/>
           </a:p>
@@ -2380,7 +2399,7 @@
           <a:p>
             <a:fld id="{1623C145-EF94-482A-B86D-72F0D2EBF2FE}" type="datetimeFigureOut">
               <a:rPr lang="en-US" smtClean="0"/>
-              <a:t>11/20/2017</a:t>
+              <a:t>12/3/2017</a:t>
             </a:fld>
             <a:endParaRPr lang="en-US"/>
           </a:p>
@@ -2668,7 +2687,7 @@
           <a:p>
             <a:fld id="{1623C145-EF94-482A-B86D-72F0D2EBF2FE}" type="datetimeFigureOut">
               <a:rPr lang="en-US" smtClean="0"/>
-              <a:t>11/20/2017</a:t>
+              <a:t>12/3/2017</a:t>
             </a:fld>
             <a:endParaRPr lang="en-US"/>
           </a:p>
@@ -2909,7 +2928,7 @@
           <a:p>
             <a:fld id="{1623C145-EF94-482A-B86D-72F0D2EBF2FE}" type="datetimeFigureOut">
               <a:rPr lang="en-US" smtClean="0"/>
-              <a:t>11/20/2017</a:t>
+              <a:t>12/3/2017</a:t>
             </a:fld>
             <a:endParaRPr lang="en-US"/>
           </a:p>
@@ -3415,6 +3434,647 @@
 </p:sld>
 </file>
 
+<file path=ppt/slides/slide10.xml><?xml version="1.0" encoding="utf-8"?>
+<p:sld xmlns:a="http://schemas.openxmlformats.org/drawingml/2006/main" xmlns:r="http://schemas.openxmlformats.org/officeDocument/2006/relationships" xmlns:p="http://schemas.openxmlformats.org/presentationml/2006/main">
+  <p:cSld>
+    <p:spTree>
+      <p:nvGrpSpPr>
+        <p:cNvPr id="1" name=""/>
+        <p:cNvGrpSpPr/>
+        <p:nvPr/>
+      </p:nvGrpSpPr>
+      <p:grpSpPr>
+        <a:xfrm>
+          <a:off x="0" y="0"/>
+          <a:ext cx="0" cy="0"/>
+          <a:chOff x="0" y="0"/>
+          <a:chExt cx="0" cy="0"/>
+        </a:xfrm>
+      </p:grpSpPr>
+      <p:sp>
+        <p:nvSpPr>
+          <p:cNvPr id="2" name="Title 1">
+            <a:extLst>
+              <a:ext uri="{FF2B5EF4-FFF2-40B4-BE49-F238E27FC236}">
+                <a16:creationId xmlns:a16="http://schemas.microsoft.com/office/drawing/2014/main" id="{079B46A9-6DB7-4844-8352-1F153C38B3A1}"/>
+              </a:ext>
+            </a:extLst>
+          </p:cNvPr>
+          <p:cNvSpPr>
+            <a:spLocks noGrp="1"/>
+          </p:cNvSpPr>
+          <p:nvPr>
+            <p:ph type="title"/>
+          </p:nvPr>
+        </p:nvSpPr>
+        <p:spPr/>
+        <p:txBody>
+          <a:bodyPr/>
+          <a:lstStyle/>
+          <a:p>
+            <a:pPr algn="ctr"/>
+            <a:r>
+              <a:rPr lang="en-US" b="1" dirty="0"/>
+              <a:t>CODE</a:t>
+            </a:r>
+            <a:endParaRPr lang="en-US" dirty="0"/>
+          </a:p>
+        </p:txBody>
+      </p:sp>
+      <p:sp>
+        <p:nvSpPr>
+          <p:cNvPr id="3" name="Content Placeholder 2">
+            <a:extLst>
+              <a:ext uri="{FF2B5EF4-FFF2-40B4-BE49-F238E27FC236}">
+                <a16:creationId xmlns:a16="http://schemas.microsoft.com/office/drawing/2014/main" id="{4D9C528E-37CE-40BC-9636-361E668366E0}"/>
+              </a:ext>
+            </a:extLst>
+          </p:cNvPr>
+          <p:cNvSpPr>
+            <a:spLocks noGrp="1"/>
+          </p:cNvSpPr>
+          <p:nvPr>
+            <p:ph idx="1"/>
+          </p:nvPr>
+        </p:nvSpPr>
+        <p:spPr/>
+        <p:txBody>
+          <a:bodyPr/>
+          <a:lstStyle/>
+          <a:p>
+            <a:r>
+              <a:rPr lang="en-US" b="1" dirty="0"/>
+              <a:t>Instruction Decoder</a:t>
+            </a:r>
+            <a:endParaRPr lang="en-US" dirty="0"/>
+          </a:p>
+          <a:p>
+            <a:endParaRPr lang="en-US" dirty="0"/>
+          </a:p>
+        </p:txBody>
+      </p:sp>
+    </p:spTree>
+    <p:extLst>
+      <p:ext uri="{BB962C8B-B14F-4D97-AF65-F5344CB8AC3E}">
+        <p14:creationId xmlns:p14="http://schemas.microsoft.com/office/powerpoint/2010/main" val="46248099"/>
+      </p:ext>
+    </p:extLst>
+  </p:cSld>
+  <p:clrMapOvr>
+    <a:masterClrMapping/>
+  </p:clrMapOvr>
+</p:sld>
+</file>
+
+<file path=ppt/slides/slide11.xml><?xml version="1.0" encoding="utf-8"?>
+<p:sld xmlns:a="http://schemas.openxmlformats.org/drawingml/2006/main" xmlns:r="http://schemas.openxmlformats.org/officeDocument/2006/relationships" xmlns:p="http://schemas.openxmlformats.org/presentationml/2006/main">
+  <p:cSld>
+    <p:spTree>
+      <p:nvGrpSpPr>
+        <p:cNvPr id="1" name=""/>
+        <p:cNvGrpSpPr/>
+        <p:nvPr/>
+      </p:nvGrpSpPr>
+      <p:grpSpPr>
+        <a:xfrm>
+          <a:off x="0" y="0"/>
+          <a:ext cx="0" cy="0"/>
+          <a:chOff x="0" y="0"/>
+          <a:chExt cx="0" cy="0"/>
+        </a:xfrm>
+      </p:grpSpPr>
+      <p:sp>
+        <p:nvSpPr>
+          <p:cNvPr id="2" name="Title 1">
+            <a:extLst>
+              <a:ext uri="{FF2B5EF4-FFF2-40B4-BE49-F238E27FC236}">
+                <a16:creationId xmlns:a16="http://schemas.microsoft.com/office/drawing/2014/main" id="{060D53CA-B701-4A34-AEF6-70C85DCEC0BF}"/>
+              </a:ext>
+            </a:extLst>
+          </p:cNvPr>
+          <p:cNvSpPr>
+            <a:spLocks noGrp="1"/>
+          </p:cNvSpPr>
+          <p:nvPr>
+            <p:ph type="title"/>
+          </p:nvPr>
+        </p:nvSpPr>
+        <p:spPr/>
+        <p:txBody>
+          <a:bodyPr/>
+          <a:lstStyle/>
+          <a:p>
+            <a:pPr algn="ctr"/>
+            <a:r>
+              <a:rPr lang="en-US" b="1" dirty="0"/>
+              <a:t>CODE</a:t>
+            </a:r>
+            <a:endParaRPr lang="en-US" dirty="0"/>
+          </a:p>
+        </p:txBody>
+      </p:sp>
+      <p:sp>
+        <p:nvSpPr>
+          <p:cNvPr id="3" name="Content Placeholder 2">
+            <a:extLst>
+              <a:ext uri="{FF2B5EF4-FFF2-40B4-BE49-F238E27FC236}">
+                <a16:creationId xmlns:a16="http://schemas.microsoft.com/office/drawing/2014/main" id="{AAF106F7-B709-4762-9407-4935D7666212}"/>
+              </a:ext>
+            </a:extLst>
+          </p:cNvPr>
+          <p:cNvSpPr>
+            <a:spLocks noGrp="1"/>
+          </p:cNvSpPr>
+          <p:nvPr>
+            <p:ph idx="1"/>
+          </p:nvPr>
+        </p:nvSpPr>
+        <p:spPr/>
+        <p:txBody>
+          <a:bodyPr/>
+          <a:lstStyle/>
+          <a:p>
+            <a:r>
+              <a:rPr lang="en-US" b="1" dirty="0"/>
+              <a:t>Register File</a:t>
+            </a:r>
+            <a:endParaRPr lang="en-US" dirty="0"/>
+          </a:p>
+          <a:p>
+            <a:endParaRPr lang="en-US" dirty="0"/>
+          </a:p>
+        </p:txBody>
+      </p:sp>
+    </p:spTree>
+    <p:extLst>
+      <p:ext uri="{BB962C8B-B14F-4D97-AF65-F5344CB8AC3E}">
+        <p14:creationId xmlns:p14="http://schemas.microsoft.com/office/powerpoint/2010/main" val="3077059590"/>
+      </p:ext>
+    </p:extLst>
+  </p:cSld>
+  <p:clrMapOvr>
+    <a:masterClrMapping/>
+  </p:clrMapOvr>
+</p:sld>
+</file>
+
+<file path=ppt/slides/slide12.xml><?xml version="1.0" encoding="utf-8"?>
+<p:sld xmlns:a="http://schemas.openxmlformats.org/drawingml/2006/main" xmlns:r="http://schemas.openxmlformats.org/officeDocument/2006/relationships" xmlns:p="http://schemas.openxmlformats.org/presentationml/2006/main">
+  <p:cSld>
+    <p:spTree>
+      <p:nvGrpSpPr>
+        <p:cNvPr id="1" name=""/>
+        <p:cNvGrpSpPr/>
+        <p:nvPr/>
+      </p:nvGrpSpPr>
+      <p:grpSpPr>
+        <a:xfrm>
+          <a:off x="0" y="0"/>
+          <a:ext cx="0" cy="0"/>
+          <a:chOff x="0" y="0"/>
+          <a:chExt cx="0" cy="0"/>
+        </a:xfrm>
+      </p:grpSpPr>
+      <p:sp>
+        <p:nvSpPr>
+          <p:cNvPr id="2" name="Title 1">
+            <a:extLst>
+              <a:ext uri="{FF2B5EF4-FFF2-40B4-BE49-F238E27FC236}">
+                <a16:creationId xmlns:a16="http://schemas.microsoft.com/office/drawing/2014/main" id="{09CAF490-FDAC-4BDD-8BC1-214E12568C13}"/>
+              </a:ext>
+            </a:extLst>
+          </p:cNvPr>
+          <p:cNvSpPr>
+            <a:spLocks noGrp="1"/>
+          </p:cNvSpPr>
+          <p:nvPr>
+            <p:ph type="title"/>
+          </p:nvPr>
+        </p:nvSpPr>
+        <p:spPr/>
+        <p:txBody>
+          <a:bodyPr/>
+          <a:lstStyle/>
+          <a:p>
+            <a:pPr algn="ctr"/>
+            <a:r>
+              <a:rPr lang="en-US" b="1" dirty="0"/>
+              <a:t>CODE</a:t>
+            </a:r>
+            <a:endParaRPr lang="en-US" dirty="0"/>
+          </a:p>
+        </p:txBody>
+      </p:sp>
+      <p:sp>
+        <p:nvSpPr>
+          <p:cNvPr id="3" name="Content Placeholder 2">
+            <a:extLst>
+              <a:ext uri="{FF2B5EF4-FFF2-40B4-BE49-F238E27FC236}">
+                <a16:creationId xmlns:a16="http://schemas.microsoft.com/office/drawing/2014/main" id="{E5435EB0-7C90-4CA2-8AB9-34F20FE9441D}"/>
+              </a:ext>
+            </a:extLst>
+          </p:cNvPr>
+          <p:cNvSpPr>
+            <a:spLocks noGrp="1"/>
+          </p:cNvSpPr>
+          <p:nvPr>
+            <p:ph idx="1"/>
+          </p:nvPr>
+        </p:nvSpPr>
+        <p:spPr/>
+        <p:txBody>
+          <a:bodyPr/>
+          <a:lstStyle/>
+          <a:p>
+            <a:r>
+              <a:rPr lang="en-US" b="1"/>
+              <a:t>Control Unit</a:t>
+            </a:r>
+            <a:endParaRPr lang="en-US"/>
+          </a:p>
+        </p:txBody>
+      </p:sp>
+    </p:spTree>
+    <p:extLst>
+      <p:ext uri="{BB962C8B-B14F-4D97-AF65-F5344CB8AC3E}">
+        <p14:creationId xmlns:p14="http://schemas.microsoft.com/office/powerpoint/2010/main" val="1982559249"/>
+      </p:ext>
+    </p:extLst>
+  </p:cSld>
+  <p:clrMapOvr>
+    <a:masterClrMapping/>
+  </p:clrMapOvr>
+</p:sld>
+</file>
+
+<file path=ppt/slides/slide13.xml><?xml version="1.0" encoding="utf-8"?>
+<p:sld xmlns:a="http://schemas.openxmlformats.org/drawingml/2006/main" xmlns:r="http://schemas.openxmlformats.org/officeDocument/2006/relationships" xmlns:p="http://schemas.openxmlformats.org/presentationml/2006/main">
+  <p:cSld>
+    <p:spTree>
+      <p:nvGrpSpPr>
+        <p:cNvPr id="1" name=""/>
+        <p:cNvGrpSpPr/>
+        <p:nvPr/>
+      </p:nvGrpSpPr>
+      <p:grpSpPr>
+        <a:xfrm>
+          <a:off x="0" y="0"/>
+          <a:ext cx="0" cy="0"/>
+          <a:chOff x="0" y="0"/>
+          <a:chExt cx="0" cy="0"/>
+        </a:xfrm>
+      </p:grpSpPr>
+      <p:sp>
+        <p:nvSpPr>
+          <p:cNvPr id="2" name="Title 1">
+            <a:extLst>
+              <a:ext uri="{FF2B5EF4-FFF2-40B4-BE49-F238E27FC236}">
+                <a16:creationId xmlns:a16="http://schemas.microsoft.com/office/drawing/2014/main" id="{877DB304-5193-479E-AA27-9FACC9B085AA}"/>
+              </a:ext>
+            </a:extLst>
+          </p:cNvPr>
+          <p:cNvSpPr>
+            <a:spLocks noGrp="1"/>
+          </p:cNvSpPr>
+          <p:nvPr>
+            <p:ph type="title"/>
+          </p:nvPr>
+        </p:nvSpPr>
+        <p:spPr/>
+        <p:txBody>
+          <a:bodyPr/>
+          <a:lstStyle/>
+          <a:p>
+            <a:pPr algn="ctr"/>
+            <a:r>
+              <a:rPr lang="en-US" b="1" dirty="0"/>
+              <a:t>CODE</a:t>
+            </a:r>
+            <a:endParaRPr lang="en-US" dirty="0"/>
+          </a:p>
+        </p:txBody>
+      </p:sp>
+      <p:sp>
+        <p:nvSpPr>
+          <p:cNvPr id="3" name="Content Placeholder 2">
+            <a:extLst>
+              <a:ext uri="{FF2B5EF4-FFF2-40B4-BE49-F238E27FC236}">
+                <a16:creationId xmlns:a16="http://schemas.microsoft.com/office/drawing/2014/main" id="{C4CC8E84-8663-46D6-A4CF-E7144A0AF9A5}"/>
+              </a:ext>
+            </a:extLst>
+          </p:cNvPr>
+          <p:cNvSpPr>
+            <a:spLocks noGrp="1"/>
+          </p:cNvSpPr>
+          <p:nvPr>
+            <p:ph idx="1"/>
+          </p:nvPr>
+        </p:nvSpPr>
+        <p:spPr/>
+        <p:txBody>
+          <a:bodyPr/>
+          <a:lstStyle/>
+          <a:p>
+            <a:r>
+              <a:rPr lang="en-US" b="1" dirty="0"/>
+              <a:t>Pipeline Registers</a:t>
+            </a:r>
+            <a:endParaRPr lang="en-US" dirty="0"/>
+          </a:p>
+          <a:p>
+            <a:endParaRPr lang="en-US" dirty="0"/>
+          </a:p>
+        </p:txBody>
+      </p:sp>
+    </p:spTree>
+    <p:extLst>
+      <p:ext uri="{BB962C8B-B14F-4D97-AF65-F5344CB8AC3E}">
+        <p14:creationId xmlns:p14="http://schemas.microsoft.com/office/powerpoint/2010/main" val="1128320010"/>
+      </p:ext>
+    </p:extLst>
+  </p:cSld>
+  <p:clrMapOvr>
+    <a:masterClrMapping/>
+  </p:clrMapOvr>
+</p:sld>
+</file>
+
+<file path=ppt/slides/slide14.xml><?xml version="1.0" encoding="utf-8"?>
+<p:sld xmlns:a="http://schemas.openxmlformats.org/drawingml/2006/main" xmlns:r="http://schemas.openxmlformats.org/officeDocument/2006/relationships" xmlns:p="http://schemas.openxmlformats.org/presentationml/2006/main">
+  <p:cSld>
+    <p:spTree>
+      <p:nvGrpSpPr>
+        <p:cNvPr id="1" name=""/>
+        <p:cNvGrpSpPr/>
+        <p:nvPr/>
+      </p:nvGrpSpPr>
+      <p:grpSpPr>
+        <a:xfrm>
+          <a:off x="0" y="0"/>
+          <a:ext cx="0" cy="0"/>
+          <a:chOff x="0" y="0"/>
+          <a:chExt cx="0" cy="0"/>
+        </a:xfrm>
+      </p:grpSpPr>
+      <p:sp>
+        <p:nvSpPr>
+          <p:cNvPr id="2" name="Title 1">
+            <a:extLst>
+              <a:ext uri="{FF2B5EF4-FFF2-40B4-BE49-F238E27FC236}">
+                <a16:creationId xmlns:a16="http://schemas.microsoft.com/office/drawing/2014/main" id="{C3681C94-E8F6-4245-8306-EE395D80033A}"/>
+              </a:ext>
+            </a:extLst>
+          </p:cNvPr>
+          <p:cNvSpPr>
+            <a:spLocks noGrp="1"/>
+          </p:cNvSpPr>
+          <p:nvPr>
+            <p:ph type="title"/>
+          </p:nvPr>
+        </p:nvSpPr>
+        <p:spPr/>
+        <p:txBody>
+          <a:bodyPr/>
+          <a:lstStyle/>
+          <a:p>
+            <a:pPr algn="ctr"/>
+            <a:r>
+              <a:rPr lang="en-US" b="1" dirty="0"/>
+              <a:t>CODE</a:t>
+            </a:r>
+            <a:endParaRPr lang="en-US" dirty="0"/>
+          </a:p>
+        </p:txBody>
+      </p:sp>
+      <p:sp>
+        <p:nvSpPr>
+          <p:cNvPr id="3" name="Content Placeholder 2">
+            <a:extLst>
+              <a:ext uri="{FF2B5EF4-FFF2-40B4-BE49-F238E27FC236}">
+                <a16:creationId xmlns:a16="http://schemas.microsoft.com/office/drawing/2014/main" id="{B5BEE06E-D941-49CA-9F38-2A8402E56F01}"/>
+              </a:ext>
+            </a:extLst>
+          </p:cNvPr>
+          <p:cNvSpPr>
+            <a:spLocks noGrp="1"/>
+          </p:cNvSpPr>
+          <p:nvPr>
+            <p:ph idx="1"/>
+          </p:nvPr>
+        </p:nvSpPr>
+        <p:spPr/>
+        <p:txBody>
+          <a:bodyPr/>
+          <a:lstStyle/>
+          <a:p>
+            <a:r>
+              <a:rPr lang="en-US" b="1" dirty="0"/>
+              <a:t>ALU 1</a:t>
+            </a:r>
+            <a:endParaRPr lang="en-US" dirty="0"/>
+          </a:p>
+          <a:p>
+            <a:endParaRPr lang="en-US" dirty="0"/>
+          </a:p>
+        </p:txBody>
+      </p:sp>
+    </p:spTree>
+    <p:extLst>
+      <p:ext uri="{BB962C8B-B14F-4D97-AF65-F5344CB8AC3E}">
+        <p14:creationId xmlns:p14="http://schemas.microsoft.com/office/powerpoint/2010/main" val="53025031"/>
+      </p:ext>
+    </p:extLst>
+  </p:cSld>
+  <p:clrMapOvr>
+    <a:masterClrMapping/>
+  </p:clrMapOvr>
+</p:sld>
+</file>
+
+<file path=ppt/slides/slide15.xml><?xml version="1.0" encoding="utf-8"?>
+<p:sld xmlns:a="http://schemas.openxmlformats.org/drawingml/2006/main" xmlns:r="http://schemas.openxmlformats.org/officeDocument/2006/relationships" xmlns:p="http://schemas.openxmlformats.org/presentationml/2006/main">
+  <p:cSld>
+    <p:spTree>
+      <p:nvGrpSpPr>
+        <p:cNvPr id="1" name=""/>
+        <p:cNvGrpSpPr/>
+        <p:nvPr/>
+      </p:nvGrpSpPr>
+      <p:grpSpPr>
+        <a:xfrm>
+          <a:off x="0" y="0"/>
+          <a:ext cx="0" cy="0"/>
+          <a:chOff x="0" y="0"/>
+          <a:chExt cx="0" cy="0"/>
+        </a:xfrm>
+      </p:grpSpPr>
+      <p:sp>
+        <p:nvSpPr>
+          <p:cNvPr id="2" name="Title 1">
+            <a:extLst>
+              <a:ext uri="{FF2B5EF4-FFF2-40B4-BE49-F238E27FC236}">
+                <a16:creationId xmlns:a16="http://schemas.microsoft.com/office/drawing/2014/main" id="{938CA650-1B31-40F8-84DC-73CB5254DE42}"/>
+              </a:ext>
+            </a:extLst>
+          </p:cNvPr>
+          <p:cNvSpPr>
+            <a:spLocks noGrp="1"/>
+          </p:cNvSpPr>
+          <p:nvPr>
+            <p:ph type="title"/>
+          </p:nvPr>
+        </p:nvSpPr>
+        <p:spPr/>
+        <p:txBody>
+          <a:bodyPr/>
+          <a:lstStyle/>
+          <a:p>
+            <a:pPr algn="ctr"/>
+            <a:r>
+              <a:rPr lang="en-US" b="1" dirty="0"/>
+              <a:t>CODE</a:t>
+            </a:r>
+            <a:endParaRPr lang="en-US" dirty="0"/>
+          </a:p>
+        </p:txBody>
+      </p:sp>
+      <p:sp>
+        <p:nvSpPr>
+          <p:cNvPr id="3" name="Content Placeholder 2">
+            <a:extLst>
+              <a:ext uri="{FF2B5EF4-FFF2-40B4-BE49-F238E27FC236}">
+                <a16:creationId xmlns:a16="http://schemas.microsoft.com/office/drawing/2014/main" id="{76E690F6-D669-4632-B984-B5541B708B22}"/>
+              </a:ext>
+            </a:extLst>
+          </p:cNvPr>
+          <p:cNvSpPr>
+            <a:spLocks noGrp="1"/>
+          </p:cNvSpPr>
+          <p:nvPr>
+            <p:ph idx="1"/>
+          </p:nvPr>
+        </p:nvSpPr>
+        <p:spPr/>
+        <p:txBody>
+          <a:bodyPr/>
+          <a:lstStyle/>
+          <a:p>
+            <a:r>
+              <a:rPr lang="en-US" b="1" dirty="0"/>
+              <a:t>Load Immediate Shifter</a:t>
+            </a:r>
+            <a:endParaRPr lang="en-US" dirty="0"/>
+          </a:p>
+          <a:p>
+            <a:endParaRPr lang="en-US" dirty="0"/>
+          </a:p>
+        </p:txBody>
+      </p:sp>
+    </p:spTree>
+    <p:extLst>
+      <p:ext uri="{BB962C8B-B14F-4D97-AF65-F5344CB8AC3E}">
+        <p14:creationId xmlns:p14="http://schemas.microsoft.com/office/powerpoint/2010/main" val="1482879838"/>
+      </p:ext>
+    </p:extLst>
+  </p:cSld>
+  <p:clrMapOvr>
+    <a:masterClrMapping/>
+  </p:clrMapOvr>
+</p:sld>
+</file>
+
+<file path=ppt/slides/slide16.xml><?xml version="1.0" encoding="utf-8"?>
+<p:sld xmlns:a="http://schemas.openxmlformats.org/drawingml/2006/main" xmlns:r="http://schemas.openxmlformats.org/officeDocument/2006/relationships" xmlns:p="http://schemas.openxmlformats.org/presentationml/2006/main">
+  <p:cSld>
+    <p:spTree>
+      <p:nvGrpSpPr>
+        <p:cNvPr id="1" name=""/>
+        <p:cNvGrpSpPr/>
+        <p:nvPr/>
+      </p:nvGrpSpPr>
+      <p:grpSpPr>
+        <a:xfrm>
+          <a:off x="0" y="0"/>
+          <a:ext cx="0" cy="0"/>
+          <a:chOff x="0" y="0"/>
+          <a:chExt cx="0" cy="0"/>
+        </a:xfrm>
+      </p:grpSpPr>
+      <p:sp>
+        <p:nvSpPr>
+          <p:cNvPr id="2" name="Title 1">
+            <a:extLst>
+              <a:ext uri="{FF2B5EF4-FFF2-40B4-BE49-F238E27FC236}">
+                <a16:creationId xmlns:a16="http://schemas.microsoft.com/office/drawing/2014/main" id="{6B6A64FC-941F-4346-9EE8-D56D7BEF78C5}"/>
+              </a:ext>
+            </a:extLst>
+          </p:cNvPr>
+          <p:cNvSpPr>
+            <a:spLocks noGrp="1"/>
+          </p:cNvSpPr>
+          <p:nvPr>
+            <p:ph type="title"/>
+          </p:nvPr>
+        </p:nvSpPr>
+        <p:spPr/>
+        <p:txBody>
+          <a:bodyPr/>
+          <a:lstStyle/>
+          <a:p>
+            <a:pPr algn="ctr"/>
+            <a:r>
+              <a:rPr lang="en-US" b="1"/>
+              <a:t>CODE</a:t>
+            </a:r>
+            <a:endParaRPr lang="en-US" dirty="0"/>
+          </a:p>
+        </p:txBody>
+      </p:sp>
+      <p:sp>
+        <p:nvSpPr>
+          <p:cNvPr id="3" name="Content Placeholder 2">
+            <a:extLst>
+              <a:ext uri="{FF2B5EF4-FFF2-40B4-BE49-F238E27FC236}">
+                <a16:creationId xmlns:a16="http://schemas.microsoft.com/office/drawing/2014/main" id="{ED6EC6AD-F598-4AD7-B68D-C46983BD4CB3}"/>
+              </a:ext>
+            </a:extLst>
+          </p:cNvPr>
+          <p:cNvSpPr>
+            <a:spLocks noGrp="1"/>
+          </p:cNvSpPr>
+          <p:nvPr>
+            <p:ph idx="1"/>
+          </p:nvPr>
+        </p:nvSpPr>
+        <p:spPr/>
+        <p:txBody>
+          <a:bodyPr/>
+          <a:lstStyle/>
+          <a:p>
+            <a:r>
+              <a:rPr lang="en-US" b="1" dirty="0"/>
+              <a:t>Multimedia Unit</a:t>
+            </a:r>
+            <a:endParaRPr lang="en-US" dirty="0"/>
+          </a:p>
+          <a:p>
+            <a:endParaRPr lang="en-US" dirty="0"/>
+          </a:p>
+        </p:txBody>
+      </p:sp>
+    </p:spTree>
+    <p:extLst>
+      <p:ext uri="{BB962C8B-B14F-4D97-AF65-F5344CB8AC3E}">
+        <p14:creationId xmlns:p14="http://schemas.microsoft.com/office/powerpoint/2010/main" val="4035011575"/>
+      </p:ext>
+    </p:extLst>
+  </p:cSld>
+  <p:clrMapOvr>
+    <a:masterClrMapping/>
+  </p:clrMapOvr>
+</p:sld>
+</file>
+
 <file path=ppt/slides/slide2.xml><?xml version="1.0" encoding="utf-8"?>
 <p:sld xmlns:a="http://schemas.openxmlformats.org/drawingml/2006/main" xmlns:r="http://schemas.openxmlformats.org/officeDocument/2006/relationships" xmlns:p="http://schemas.openxmlformats.org/presentationml/2006/main">
   <p:cSld>
@@ -3448,44 +4108,771 @@
             <p:ph type="ctrTitle"/>
           </p:nvPr>
         </p:nvSpPr>
-        <p:spPr/>
-        <p:txBody>
-          <a:bodyPr/>
-          <a:lstStyle/>
-          <a:p>
-            <a:endParaRPr lang="en-US"/>
-          </a:p>
-        </p:txBody>
-      </p:sp>
-      <p:sp>
-        <p:nvSpPr>
-          <p:cNvPr id="3" name="Subtitle 2">
-            <a:extLst>
-              <a:ext uri="{FF2B5EF4-FFF2-40B4-BE49-F238E27FC236}">
-                <a16:creationId xmlns:a16="http://schemas.microsoft.com/office/drawing/2014/main" id="{B2E40E49-1BEE-4183-A11B-5740ECD68893}"/>
-              </a:ext>
-            </a:extLst>
-          </p:cNvPr>
-          <p:cNvSpPr>
-            <a:spLocks noGrp="1"/>
-          </p:cNvSpPr>
-          <p:nvPr>
-            <p:ph type="subTitle" idx="1"/>
-          </p:nvPr>
-        </p:nvSpPr>
-        <p:spPr/>
-        <p:txBody>
-          <a:bodyPr/>
-          <a:lstStyle/>
-          <a:p>
-            <a:endParaRPr lang="en-US"/>
-          </a:p>
-        </p:txBody>
-      </p:sp>
+        <p:spPr>
+          <a:xfrm>
+            <a:off x="1524000" y="1122363"/>
+            <a:ext cx="9144000" cy="772998"/>
+          </a:xfrm>
+        </p:spPr>
+        <p:txBody>
+          <a:bodyPr>
+            <a:normAutofit fontScale="90000"/>
+          </a:bodyPr>
+          <a:lstStyle/>
+          <a:p>
+            <a:r>
+              <a:rPr lang="en-US" b="1" dirty="0"/>
+              <a:t>Multimedia Unit Block Diagram</a:t>
+            </a:r>
+            <a:br>
+              <a:rPr lang="en-US" dirty="0"/>
+            </a:br>
+            <a:endParaRPr lang="en-US" dirty="0"/>
+          </a:p>
+        </p:txBody>
+      </p:sp>
+      <p:pic>
+        <p:nvPicPr>
+          <p:cNvPr id="4" name="Picture 3">
+            <a:extLst>
+              <a:ext uri="{FF2B5EF4-FFF2-40B4-BE49-F238E27FC236}">
+                <a16:creationId xmlns:a16="http://schemas.microsoft.com/office/drawing/2014/main" id="{46017557-3923-43D4-B2DE-A91F7E9A6EF9}"/>
+              </a:ext>
+            </a:extLst>
+          </p:cNvPr>
+          <p:cNvPicPr/>
+          <p:nvPr/>
+        </p:nvPicPr>
+        <p:blipFill>
+          <a:blip r:embed="rId2">
+            <a:extLst>
+              <a:ext uri="{28A0092B-C50C-407E-A947-70E740481C1C}">
+                <a14:useLocalDpi xmlns:a14="http://schemas.microsoft.com/office/drawing/2010/main" val="0"/>
+              </a:ext>
+            </a:extLst>
+          </a:blip>
+          <a:srcRect/>
+          <a:stretch>
+            <a:fillRect/>
+          </a:stretch>
+        </p:blipFill>
+        <p:spPr bwMode="auto">
+          <a:xfrm>
+            <a:off x="1022022" y="1508862"/>
+            <a:ext cx="10147955" cy="3841423"/>
+          </a:xfrm>
+          <a:prstGeom prst="rect">
+            <a:avLst/>
+          </a:prstGeom>
+          <a:noFill/>
+          <a:ln>
+            <a:noFill/>
+          </a:ln>
+        </p:spPr>
+      </p:pic>
     </p:spTree>
     <p:extLst>
       <p:ext uri="{BB962C8B-B14F-4D97-AF65-F5344CB8AC3E}">
         <p14:creationId xmlns:p14="http://schemas.microsoft.com/office/powerpoint/2010/main" val="1397884114"/>
+      </p:ext>
+    </p:extLst>
+  </p:cSld>
+  <p:clrMapOvr>
+    <a:masterClrMapping/>
+  </p:clrMapOvr>
+</p:sld>
+</file>
+
+<file path=ppt/slides/slide3.xml><?xml version="1.0" encoding="utf-8"?>
+<p:sld xmlns:a="http://schemas.openxmlformats.org/drawingml/2006/main" xmlns:r="http://schemas.openxmlformats.org/officeDocument/2006/relationships" xmlns:p="http://schemas.openxmlformats.org/presentationml/2006/main">
+  <p:cSld>
+    <p:spTree>
+      <p:nvGrpSpPr>
+        <p:cNvPr id="1" name=""/>
+        <p:cNvGrpSpPr/>
+        <p:nvPr/>
+      </p:nvGrpSpPr>
+      <p:grpSpPr>
+        <a:xfrm>
+          <a:off x="0" y="0"/>
+          <a:ext cx="0" cy="0"/>
+          <a:chOff x="0" y="0"/>
+          <a:chExt cx="0" cy="0"/>
+        </a:xfrm>
+      </p:grpSpPr>
+      <p:sp>
+        <p:nvSpPr>
+          <p:cNvPr id="2" name="Title 1">
+            <a:extLst>
+              <a:ext uri="{FF2B5EF4-FFF2-40B4-BE49-F238E27FC236}">
+                <a16:creationId xmlns:a16="http://schemas.microsoft.com/office/drawing/2014/main" id="{16488F94-9ADC-4D98-B9C3-91F2B84E4474}"/>
+              </a:ext>
+            </a:extLst>
+          </p:cNvPr>
+          <p:cNvSpPr>
+            <a:spLocks noGrp="1"/>
+          </p:cNvSpPr>
+          <p:nvPr>
+            <p:ph type="title"/>
+          </p:nvPr>
+        </p:nvSpPr>
+        <p:spPr/>
+        <p:txBody>
+          <a:bodyPr/>
+          <a:lstStyle/>
+          <a:p>
+            <a:pPr algn="ctr"/>
+            <a:r>
+              <a:rPr lang="en-US" b="1"/>
+              <a:t>Program Counter and Instruction Buffer</a:t>
+            </a:r>
+            <a:endParaRPr lang="en-US" b="1" dirty="0"/>
+          </a:p>
+        </p:txBody>
+      </p:sp>
+      <p:pic>
+        <p:nvPicPr>
+          <p:cNvPr id="4" name="Content Placeholder 3" descr="C:\Users\Himanshu\AppData\Local\Microsoft\Windows\INetCache\Content.Word\Program_Counter___Instruction_Buffer.jpg">
+            <a:extLst>
+              <a:ext uri="{FF2B5EF4-FFF2-40B4-BE49-F238E27FC236}">
+                <a16:creationId xmlns:a16="http://schemas.microsoft.com/office/drawing/2014/main" id="{CC271F7E-2A39-4F67-897F-E68D8C4049C0}"/>
+              </a:ext>
+            </a:extLst>
+          </p:cNvPr>
+          <p:cNvPicPr>
+            <a:picLocks noGrp="1"/>
+          </p:cNvPicPr>
+          <p:nvPr>
+            <p:ph idx="1"/>
+          </p:nvPr>
+        </p:nvPicPr>
+        <p:blipFill>
+          <a:blip r:embed="rId2">
+            <a:extLst>
+              <a:ext uri="{28A0092B-C50C-407E-A947-70E740481C1C}">
+                <a14:useLocalDpi xmlns:a14="http://schemas.microsoft.com/office/drawing/2010/main" val="0"/>
+              </a:ext>
+            </a:extLst>
+          </a:blip>
+          <a:srcRect/>
+          <a:stretch>
+            <a:fillRect/>
+          </a:stretch>
+        </p:blipFill>
+        <p:spPr bwMode="auto">
+          <a:xfrm>
+            <a:off x="838200" y="1690688"/>
+            <a:ext cx="6534150" cy="2943225"/>
+          </a:xfrm>
+          <a:prstGeom prst="rect">
+            <a:avLst/>
+          </a:prstGeom>
+          <a:noFill/>
+          <a:ln>
+            <a:noFill/>
+          </a:ln>
+        </p:spPr>
+      </p:pic>
+    </p:spTree>
+    <p:extLst>
+      <p:ext uri="{BB962C8B-B14F-4D97-AF65-F5344CB8AC3E}">
+        <p14:creationId xmlns:p14="http://schemas.microsoft.com/office/powerpoint/2010/main" val="2759364559"/>
+      </p:ext>
+    </p:extLst>
+  </p:cSld>
+  <p:clrMapOvr>
+    <a:masterClrMapping/>
+  </p:clrMapOvr>
+</p:sld>
+</file>
+
+<file path=ppt/slides/slide4.xml><?xml version="1.0" encoding="utf-8"?>
+<p:sld xmlns:a="http://schemas.openxmlformats.org/drawingml/2006/main" xmlns:r="http://schemas.openxmlformats.org/officeDocument/2006/relationships" xmlns:p="http://schemas.openxmlformats.org/presentationml/2006/main">
+  <p:cSld>
+    <p:spTree>
+      <p:nvGrpSpPr>
+        <p:cNvPr id="1" name=""/>
+        <p:cNvGrpSpPr/>
+        <p:nvPr/>
+      </p:nvGrpSpPr>
+      <p:grpSpPr>
+        <a:xfrm>
+          <a:off x="0" y="0"/>
+          <a:ext cx="0" cy="0"/>
+          <a:chOff x="0" y="0"/>
+          <a:chExt cx="0" cy="0"/>
+        </a:xfrm>
+      </p:grpSpPr>
+      <p:sp>
+        <p:nvSpPr>
+          <p:cNvPr id="2" name="Title 1">
+            <a:extLst>
+              <a:ext uri="{FF2B5EF4-FFF2-40B4-BE49-F238E27FC236}">
+                <a16:creationId xmlns:a16="http://schemas.microsoft.com/office/drawing/2014/main" id="{8223BE2B-BC53-4FD4-95D0-B302F61AB9AA}"/>
+              </a:ext>
+            </a:extLst>
+          </p:cNvPr>
+          <p:cNvSpPr>
+            <a:spLocks noGrp="1"/>
+          </p:cNvSpPr>
+          <p:nvPr>
+            <p:ph type="title"/>
+          </p:nvPr>
+        </p:nvSpPr>
+        <p:spPr/>
+        <p:txBody>
+          <a:bodyPr/>
+          <a:lstStyle/>
+          <a:p>
+            <a:pPr algn="ctr"/>
+            <a:r>
+              <a:rPr lang="en-US" b="1" dirty="0"/>
+              <a:t>Pipeline Registers</a:t>
+            </a:r>
+            <a:endParaRPr lang="en-US" dirty="0"/>
+          </a:p>
+        </p:txBody>
+      </p:sp>
+      <p:pic>
+        <p:nvPicPr>
+          <p:cNvPr id="4" name="Content Placeholder 3">
+            <a:extLst>
+              <a:ext uri="{FF2B5EF4-FFF2-40B4-BE49-F238E27FC236}">
+                <a16:creationId xmlns:a16="http://schemas.microsoft.com/office/drawing/2014/main" id="{41A27B9F-0E10-4DF7-8EA7-18B838F89A3E}"/>
+              </a:ext>
+            </a:extLst>
+          </p:cNvPr>
+          <p:cNvPicPr>
+            <a:picLocks noGrp="1"/>
+          </p:cNvPicPr>
+          <p:nvPr>
+            <p:ph idx="1"/>
+          </p:nvPr>
+        </p:nvPicPr>
+        <p:blipFill>
+          <a:blip r:embed="rId2">
+            <a:extLst>
+              <a:ext uri="{28A0092B-C50C-407E-A947-70E740481C1C}">
+                <a14:useLocalDpi xmlns:a14="http://schemas.microsoft.com/office/drawing/2010/main" val="0"/>
+              </a:ext>
+            </a:extLst>
+          </a:blip>
+          <a:srcRect/>
+          <a:stretch>
+            <a:fillRect/>
+          </a:stretch>
+        </p:blipFill>
+        <p:spPr bwMode="auto">
+          <a:xfrm>
+            <a:off x="838200" y="1690688"/>
+            <a:ext cx="4675132" cy="4351338"/>
+          </a:xfrm>
+          <a:prstGeom prst="rect">
+            <a:avLst/>
+          </a:prstGeom>
+          <a:noFill/>
+          <a:ln>
+            <a:noFill/>
+          </a:ln>
+        </p:spPr>
+      </p:pic>
+    </p:spTree>
+    <p:extLst>
+      <p:ext uri="{BB962C8B-B14F-4D97-AF65-F5344CB8AC3E}">
+        <p14:creationId xmlns:p14="http://schemas.microsoft.com/office/powerpoint/2010/main" val="2874201142"/>
+      </p:ext>
+    </p:extLst>
+  </p:cSld>
+  <p:clrMapOvr>
+    <a:masterClrMapping/>
+  </p:clrMapOvr>
+</p:sld>
+</file>
+
+<file path=ppt/slides/slide5.xml><?xml version="1.0" encoding="utf-8"?>
+<p:sld xmlns:a="http://schemas.openxmlformats.org/drawingml/2006/main" xmlns:r="http://schemas.openxmlformats.org/officeDocument/2006/relationships" xmlns:p="http://schemas.openxmlformats.org/presentationml/2006/main">
+  <p:cSld>
+    <p:spTree>
+      <p:nvGrpSpPr>
+        <p:cNvPr id="1" name=""/>
+        <p:cNvGrpSpPr/>
+        <p:nvPr/>
+      </p:nvGrpSpPr>
+      <p:grpSpPr>
+        <a:xfrm>
+          <a:off x="0" y="0"/>
+          <a:ext cx="0" cy="0"/>
+          <a:chOff x="0" y="0"/>
+          <a:chExt cx="0" cy="0"/>
+        </a:xfrm>
+      </p:grpSpPr>
+      <p:sp>
+        <p:nvSpPr>
+          <p:cNvPr id="2" name="Title 1">
+            <a:extLst>
+              <a:ext uri="{FF2B5EF4-FFF2-40B4-BE49-F238E27FC236}">
+                <a16:creationId xmlns:a16="http://schemas.microsoft.com/office/drawing/2014/main" id="{81F1D4D6-04BE-4725-9621-76FC735CDCD6}"/>
+              </a:ext>
+            </a:extLst>
+          </p:cNvPr>
+          <p:cNvSpPr>
+            <a:spLocks noGrp="1"/>
+          </p:cNvSpPr>
+          <p:nvPr>
+            <p:ph type="title"/>
+          </p:nvPr>
+        </p:nvSpPr>
+        <p:spPr/>
+        <p:txBody>
+          <a:bodyPr/>
+          <a:lstStyle/>
+          <a:p>
+            <a:pPr algn="ctr"/>
+            <a:r>
+              <a:rPr lang="en-US" b="1" dirty="0"/>
+              <a:t>Instruction Decoder and Control Unit</a:t>
+            </a:r>
+            <a:endParaRPr lang="en-US" dirty="0"/>
+          </a:p>
+        </p:txBody>
+      </p:sp>
+      <p:pic>
+        <p:nvPicPr>
+          <p:cNvPr id="6" name="Content Placeholder 4">
+            <a:extLst>
+              <a:ext uri="{FF2B5EF4-FFF2-40B4-BE49-F238E27FC236}">
+                <a16:creationId xmlns:a16="http://schemas.microsoft.com/office/drawing/2014/main" id="{EC205FC0-7943-4921-9DD7-1FC9FB3481AA}"/>
+              </a:ext>
+            </a:extLst>
+          </p:cNvPr>
+          <p:cNvPicPr>
+            <a:picLocks noGrp="1"/>
+          </p:cNvPicPr>
+          <p:nvPr>
+            <p:ph idx="1"/>
+          </p:nvPr>
+        </p:nvPicPr>
+        <p:blipFill>
+          <a:blip r:embed="rId2">
+            <a:extLst>
+              <a:ext uri="{28A0092B-C50C-407E-A947-70E740481C1C}">
+                <a14:useLocalDpi xmlns:a14="http://schemas.microsoft.com/office/drawing/2010/main" val="0"/>
+              </a:ext>
+            </a:extLst>
+          </a:blip>
+          <a:srcRect/>
+          <a:stretch>
+            <a:fillRect/>
+          </a:stretch>
+        </p:blipFill>
+        <p:spPr bwMode="auto">
+          <a:xfrm>
+            <a:off x="838200" y="1690688"/>
+            <a:ext cx="3975043" cy="4351338"/>
+          </a:xfrm>
+          <a:prstGeom prst="rect">
+            <a:avLst/>
+          </a:prstGeom>
+          <a:noFill/>
+          <a:ln>
+            <a:noFill/>
+          </a:ln>
+        </p:spPr>
+      </p:pic>
+    </p:spTree>
+    <p:extLst>
+      <p:ext uri="{BB962C8B-B14F-4D97-AF65-F5344CB8AC3E}">
+        <p14:creationId xmlns:p14="http://schemas.microsoft.com/office/powerpoint/2010/main" val="812979789"/>
+      </p:ext>
+    </p:extLst>
+  </p:cSld>
+  <p:clrMapOvr>
+    <a:masterClrMapping/>
+  </p:clrMapOvr>
+</p:sld>
+</file>
+
+<file path=ppt/slides/slide6.xml><?xml version="1.0" encoding="utf-8"?>
+<p:sld xmlns:a="http://schemas.openxmlformats.org/drawingml/2006/main" xmlns:r="http://schemas.openxmlformats.org/officeDocument/2006/relationships" xmlns:p="http://schemas.openxmlformats.org/presentationml/2006/main">
+  <p:cSld>
+    <p:spTree>
+      <p:nvGrpSpPr>
+        <p:cNvPr id="1" name=""/>
+        <p:cNvGrpSpPr/>
+        <p:nvPr/>
+      </p:nvGrpSpPr>
+      <p:grpSpPr>
+        <a:xfrm>
+          <a:off x="0" y="0"/>
+          <a:ext cx="0" cy="0"/>
+          <a:chOff x="0" y="0"/>
+          <a:chExt cx="0" cy="0"/>
+        </a:xfrm>
+      </p:grpSpPr>
+      <p:sp>
+        <p:nvSpPr>
+          <p:cNvPr id="2" name="Title 1">
+            <a:extLst>
+              <a:ext uri="{FF2B5EF4-FFF2-40B4-BE49-F238E27FC236}">
+                <a16:creationId xmlns:a16="http://schemas.microsoft.com/office/drawing/2014/main" id="{43B8BBAA-2743-4F5D-A2FF-F5E73F0A6C0C}"/>
+              </a:ext>
+            </a:extLst>
+          </p:cNvPr>
+          <p:cNvSpPr>
+            <a:spLocks noGrp="1"/>
+          </p:cNvSpPr>
+          <p:nvPr>
+            <p:ph type="title"/>
+          </p:nvPr>
+        </p:nvSpPr>
+        <p:spPr/>
+        <p:txBody>
+          <a:bodyPr/>
+          <a:lstStyle/>
+          <a:p>
+            <a:pPr algn="ctr"/>
+            <a:r>
+              <a:rPr lang="en-US" b="1" dirty="0"/>
+              <a:t>Register File</a:t>
+            </a:r>
+            <a:endParaRPr lang="en-US" dirty="0"/>
+          </a:p>
+        </p:txBody>
+      </p:sp>
+      <p:pic>
+        <p:nvPicPr>
+          <p:cNvPr id="4" name="Content Placeholder 3">
+            <a:extLst>
+              <a:ext uri="{FF2B5EF4-FFF2-40B4-BE49-F238E27FC236}">
+                <a16:creationId xmlns:a16="http://schemas.microsoft.com/office/drawing/2014/main" id="{70BF26ED-6A58-4350-9AD6-771E0D85DFF6}"/>
+              </a:ext>
+            </a:extLst>
+          </p:cNvPr>
+          <p:cNvPicPr>
+            <a:picLocks noGrp="1"/>
+          </p:cNvPicPr>
+          <p:nvPr>
+            <p:ph idx="1"/>
+          </p:nvPr>
+        </p:nvPicPr>
+        <p:blipFill>
+          <a:blip r:embed="rId2">
+            <a:extLst>
+              <a:ext uri="{28A0092B-C50C-407E-A947-70E740481C1C}">
+                <a14:useLocalDpi xmlns:a14="http://schemas.microsoft.com/office/drawing/2010/main" val="0"/>
+              </a:ext>
+            </a:extLst>
+          </a:blip>
+          <a:srcRect/>
+          <a:stretch>
+            <a:fillRect/>
+          </a:stretch>
+        </p:blipFill>
+        <p:spPr bwMode="auto">
+          <a:xfrm>
+            <a:off x="838200" y="1690688"/>
+            <a:ext cx="5105400" cy="4248150"/>
+          </a:xfrm>
+          <a:prstGeom prst="rect">
+            <a:avLst/>
+          </a:prstGeom>
+          <a:noFill/>
+          <a:ln>
+            <a:noFill/>
+          </a:ln>
+        </p:spPr>
+      </p:pic>
+    </p:spTree>
+    <p:extLst>
+      <p:ext uri="{BB962C8B-B14F-4D97-AF65-F5344CB8AC3E}">
+        <p14:creationId xmlns:p14="http://schemas.microsoft.com/office/powerpoint/2010/main" val="263735917"/>
+      </p:ext>
+    </p:extLst>
+  </p:cSld>
+  <p:clrMapOvr>
+    <a:masterClrMapping/>
+  </p:clrMapOvr>
+</p:sld>
+</file>
+
+<file path=ppt/slides/slide7.xml><?xml version="1.0" encoding="utf-8"?>
+<p:sld xmlns:a="http://schemas.openxmlformats.org/drawingml/2006/main" xmlns:r="http://schemas.openxmlformats.org/officeDocument/2006/relationships" xmlns:p="http://schemas.openxmlformats.org/presentationml/2006/main">
+  <p:cSld>
+    <p:spTree>
+      <p:nvGrpSpPr>
+        <p:cNvPr id="1" name=""/>
+        <p:cNvGrpSpPr/>
+        <p:nvPr/>
+      </p:nvGrpSpPr>
+      <p:grpSpPr>
+        <a:xfrm>
+          <a:off x="0" y="0"/>
+          <a:ext cx="0" cy="0"/>
+          <a:chOff x="0" y="0"/>
+          <a:chExt cx="0" cy="0"/>
+        </a:xfrm>
+      </p:grpSpPr>
+      <p:sp>
+        <p:nvSpPr>
+          <p:cNvPr id="2" name="Title 1">
+            <a:extLst>
+              <a:ext uri="{FF2B5EF4-FFF2-40B4-BE49-F238E27FC236}">
+                <a16:creationId xmlns:a16="http://schemas.microsoft.com/office/drawing/2014/main" id="{158608BF-B2D1-412E-A59C-8F4D368B4200}"/>
+              </a:ext>
+            </a:extLst>
+          </p:cNvPr>
+          <p:cNvSpPr>
+            <a:spLocks noGrp="1"/>
+          </p:cNvSpPr>
+          <p:nvPr>
+            <p:ph type="title"/>
+          </p:nvPr>
+        </p:nvSpPr>
+        <p:spPr/>
+        <p:txBody>
+          <a:bodyPr/>
+          <a:lstStyle/>
+          <a:p>
+            <a:pPr algn="ctr"/>
+            <a:r>
+              <a:rPr lang="en-US" b="1" dirty="0"/>
+              <a:t>ALU 1, ALU 2 and Load Immediate Shifter</a:t>
+            </a:r>
+            <a:endParaRPr lang="en-US" dirty="0"/>
+          </a:p>
+        </p:txBody>
+      </p:sp>
+      <p:pic>
+        <p:nvPicPr>
+          <p:cNvPr id="7" name="Content Placeholder 6">
+            <a:extLst>
+              <a:ext uri="{FF2B5EF4-FFF2-40B4-BE49-F238E27FC236}">
+                <a16:creationId xmlns:a16="http://schemas.microsoft.com/office/drawing/2014/main" id="{9CBCEA67-CF7F-432E-B922-D2734BFA945C}"/>
+              </a:ext>
+            </a:extLst>
+          </p:cNvPr>
+          <p:cNvPicPr>
+            <a:picLocks noGrp="1"/>
+          </p:cNvPicPr>
+          <p:nvPr>
+            <p:ph idx="1"/>
+          </p:nvPr>
+        </p:nvPicPr>
+        <p:blipFill>
+          <a:blip r:embed="rId2">
+            <a:extLst>
+              <a:ext uri="{28A0092B-C50C-407E-A947-70E740481C1C}">
+                <a14:useLocalDpi xmlns:a14="http://schemas.microsoft.com/office/drawing/2010/main" val="0"/>
+              </a:ext>
+            </a:extLst>
+          </a:blip>
+          <a:srcRect/>
+          <a:stretch>
+            <a:fillRect/>
+          </a:stretch>
+        </p:blipFill>
+        <p:spPr bwMode="auto">
+          <a:xfrm>
+            <a:off x="838200" y="1690688"/>
+            <a:ext cx="5488619" cy="4351338"/>
+          </a:xfrm>
+          <a:prstGeom prst="rect">
+            <a:avLst/>
+          </a:prstGeom>
+          <a:noFill/>
+          <a:ln>
+            <a:noFill/>
+          </a:ln>
+        </p:spPr>
+      </p:pic>
+    </p:spTree>
+    <p:extLst>
+      <p:ext uri="{BB962C8B-B14F-4D97-AF65-F5344CB8AC3E}">
+        <p14:creationId xmlns:p14="http://schemas.microsoft.com/office/powerpoint/2010/main" val="3120240769"/>
+      </p:ext>
+    </p:extLst>
+  </p:cSld>
+  <p:clrMapOvr>
+    <a:masterClrMapping/>
+  </p:clrMapOvr>
+</p:sld>
+</file>
+
+<file path=ppt/slides/slide8.xml><?xml version="1.0" encoding="utf-8"?>
+<p:sld xmlns:a="http://schemas.openxmlformats.org/drawingml/2006/main" xmlns:r="http://schemas.openxmlformats.org/officeDocument/2006/relationships" xmlns:p="http://schemas.openxmlformats.org/presentationml/2006/main">
+  <p:cSld>
+    <p:spTree>
+      <p:nvGrpSpPr>
+        <p:cNvPr id="1" name=""/>
+        <p:cNvGrpSpPr/>
+        <p:nvPr/>
+      </p:nvGrpSpPr>
+      <p:grpSpPr>
+        <a:xfrm>
+          <a:off x="0" y="0"/>
+          <a:ext cx="0" cy="0"/>
+          <a:chOff x="0" y="0"/>
+          <a:chExt cx="0" cy="0"/>
+        </a:xfrm>
+      </p:grpSpPr>
+      <p:sp>
+        <p:nvSpPr>
+          <p:cNvPr id="2" name="Title 1">
+            <a:extLst>
+              <a:ext uri="{FF2B5EF4-FFF2-40B4-BE49-F238E27FC236}">
+                <a16:creationId xmlns:a16="http://schemas.microsoft.com/office/drawing/2014/main" id="{88B75D38-F8B6-4259-BC14-EAFD8969E211}"/>
+              </a:ext>
+            </a:extLst>
+          </p:cNvPr>
+          <p:cNvSpPr>
+            <a:spLocks noGrp="1"/>
+          </p:cNvSpPr>
+          <p:nvPr>
+            <p:ph type="title"/>
+          </p:nvPr>
+        </p:nvSpPr>
+        <p:spPr/>
+        <p:txBody>
+          <a:bodyPr/>
+          <a:lstStyle/>
+          <a:p>
+            <a:pPr algn="ctr"/>
+            <a:r>
+              <a:rPr lang="en-US" b="1" dirty="0"/>
+              <a:t>CODE</a:t>
+            </a:r>
+            <a:endParaRPr lang="en-US" dirty="0"/>
+          </a:p>
+        </p:txBody>
+      </p:sp>
+      <p:sp>
+        <p:nvSpPr>
+          <p:cNvPr id="3" name="Content Placeholder 2">
+            <a:extLst>
+              <a:ext uri="{FF2B5EF4-FFF2-40B4-BE49-F238E27FC236}">
+                <a16:creationId xmlns:a16="http://schemas.microsoft.com/office/drawing/2014/main" id="{BC092FD2-601D-49F8-B7F9-8F7D276679BF}"/>
+              </a:ext>
+            </a:extLst>
+          </p:cNvPr>
+          <p:cNvSpPr>
+            <a:spLocks noGrp="1"/>
+          </p:cNvSpPr>
+          <p:nvPr>
+            <p:ph idx="1"/>
+          </p:nvPr>
+        </p:nvSpPr>
+        <p:spPr/>
+        <p:txBody>
+          <a:bodyPr/>
+          <a:lstStyle/>
+          <a:p>
+            <a:r>
+              <a:rPr lang="en-US" b="1" dirty="0"/>
+              <a:t>Program Counter</a:t>
+            </a:r>
+            <a:endParaRPr lang="en-US" dirty="0"/>
+          </a:p>
+          <a:p>
+            <a:endParaRPr lang="en-US" dirty="0"/>
+          </a:p>
+        </p:txBody>
+      </p:sp>
+    </p:spTree>
+    <p:extLst>
+      <p:ext uri="{BB962C8B-B14F-4D97-AF65-F5344CB8AC3E}">
+        <p14:creationId xmlns:p14="http://schemas.microsoft.com/office/powerpoint/2010/main" val="2529399203"/>
+      </p:ext>
+    </p:extLst>
+  </p:cSld>
+  <p:clrMapOvr>
+    <a:masterClrMapping/>
+  </p:clrMapOvr>
+</p:sld>
+</file>
+
+<file path=ppt/slides/slide9.xml><?xml version="1.0" encoding="utf-8"?>
+<p:sld xmlns:a="http://schemas.openxmlformats.org/drawingml/2006/main" xmlns:r="http://schemas.openxmlformats.org/officeDocument/2006/relationships" xmlns:p="http://schemas.openxmlformats.org/presentationml/2006/main">
+  <p:cSld>
+    <p:spTree>
+      <p:nvGrpSpPr>
+        <p:cNvPr id="1" name=""/>
+        <p:cNvGrpSpPr/>
+        <p:nvPr/>
+      </p:nvGrpSpPr>
+      <p:grpSpPr>
+        <a:xfrm>
+          <a:off x="0" y="0"/>
+          <a:ext cx="0" cy="0"/>
+          <a:chOff x="0" y="0"/>
+          <a:chExt cx="0" cy="0"/>
+        </a:xfrm>
+      </p:grpSpPr>
+      <p:sp>
+        <p:nvSpPr>
+          <p:cNvPr id="2" name="Title 1">
+            <a:extLst>
+              <a:ext uri="{FF2B5EF4-FFF2-40B4-BE49-F238E27FC236}">
+                <a16:creationId xmlns:a16="http://schemas.microsoft.com/office/drawing/2014/main" id="{DDD71834-1D03-459F-90FB-639DF5303821}"/>
+              </a:ext>
+            </a:extLst>
+          </p:cNvPr>
+          <p:cNvSpPr>
+            <a:spLocks noGrp="1"/>
+          </p:cNvSpPr>
+          <p:nvPr>
+            <p:ph type="title"/>
+          </p:nvPr>
+        </p:nvSpPr>
+        <p:spPr/>
+        <p:txBody>
+          <a:bodyPr/>
+          <a:lstStyle/>
+          <a:p>
+            <a:pPr algn="ctr"/>
+            <a:r>
+              <a:rPr lang="en-US" b="1" dirty="0"/>
+              <a:t>CODE</a:t>
+            </a:r>
+            <a:endParaRPr lang="en-US" dirty="0"/>
+          </a:p>
+        </p:txBody>
+      </p:sp>
+      <p:sp>
+        <p:nvSpPr>
+          <p:cNvPr id="3" name="Content Placeholder 2">
+            <a:extLst>
+              <a:ext uri="{FF2B5EF4-FFF2-40B4-BE49-F238E27FC236}">
+                <a16:creationId xmlns:a16="http://schemas.microsoft.com/office/drawing/2014/main" id="{B81AA4D5-F021-421A-B33C-02175A3FACCB}"/>
+              </a:ext>
+            </a:extLst>
+          </p:cNvPr>
+          <p:cNvSpPr>
+            <a:spLocks noGrp="1"/>
+          </p:cNvSpPr>
+          <p:nvPr>
+            <p:ph idx="1"/>
+          </p:nvPr>
+        </p:nvSpPr>
+        <p:spPr/>
+        <p:txBody>
+          <a:bodyPr/>
+          <a:lstStyle/>
+          <a:p>
+            <a:r>
+              <a:rPr lang="en-US" b="1" dirty="0"/>
+              <a:t>Instruction Buffer</a:t>
+            </a:r>
+            <a:endParaRPr lang="en-US" dirty="0"/>
+          </a:p>
+          <a:p>
+            <a:endParaRPr lang="en-US" dirty="0"/>
+          </a:p>
+        </p:txBody>
+      </p:sp>
+    </p:spTree>
+    <p:extLst>
+      <p:ext uri="{BB962C8B-B14F-4D97-AF65-F5344CB8AC3E}">
+        <p14:creationId xmlns:p14="http://schemas.microsoft.com/office/powerpoint/2010/main" val="2449857578"/>
       </p:ext>
     </p:extLst>
   </p:cSld>
